--- a/Chapter 1/chapter1.pptx
+++ b/Chapter 1/chapter1.pptx
@@ -18,8 +18,8 @@
     <p:sldId id="316" r:id="rId9"/>
     <p:sldId id="331" r:id="rId10"/>
     <p:sldId id="332" r:id="rId11"/>
-    <p:sldId id="333" r:id="rId12"/>
-    <p:sldId id="334" r:id="rId13"/>
+    <p:sldId id="339" r:id="rId12"/>
+    <p:sldId id="333" r:id="rId13"/>
     <p:sldId id="335" r:id="rId14"/>
     <p:sldId id="336" r:id="rId15"/>
     <p:sldId id="319" r:id="rId16"/>
@@ -4194,11 +4194,7 @@
             </a:r>
             <a:r>
               <a:rPr lang="en-US" altLang="zh-CN" dirty="0" smtClean="0"/>
-              <a:t>, </a:t>
-            </a:r>
-            <a:r>
-              <a:rPr lang="en-US" altLang="zh-CN" dirty="0" smtClean="0"/>
-              <a:t>GitHub and Markdown</a:t>
+              <a:t>, GitHub and Markdown</a:t>
             </a:r>
             <a:endParaRPr lang="en-US" altLang="en-US" dirty="0"/>
           </a:p>
@@ -4301,7 +4297,7 @@
             </a:r>
             <a:r>
               <a:rPr lang="en-US" altLang="zh-CN" sz="4400" dirty="0" smtClean="0"/>
-              <a:t> Commands: Undoing Changes</a:t>
+              <a:t> Commands: Undoing Changes at the File-level</a:t>
             </a:r>
             <a:endParaRPr lang="en-US" altLang="en-US" sz="4400" dirty="0"/>
           </a:p>
@@ -4325,7 +4321,7 @@
         </p:spPr>
         <p:txBody>
           <a:bodyPr>
-            <a:normAutofit/>
+            <a:normAutofit fontScale="92500"/>
           </a:bodyPr>
           <a:lstStyle/>
           <a:p>
@@ -4360,9 +4356,8 @@
             </a:r>
             <a:r>
               <a:rPr lang="en-US" altLang="en-US" sz="2800" dirty="0" smtClean="0"/>
-              <a:t> --decorate</a:t>
-            </a:r>
-            <a:endParaRPr lang="en-US" altLang="en-US" sz="2800" dirty="0" smtClean="0"/>
+              <a:t> --all</a:t>
+            </a:r>
           </a:p>
           <a:p>
             <a:r>
@@ -4379,7 +4374,7 @@
             </a:r>
             <a:r>
               <a:rPr lang="en-US" altLang="zh-CN" sz="2800" dirty="0" smtClean="0"/>
-              <a:t> changes</a:t>
+              <a:t> changes to a file</a:t>
             </a:r>
             <a:endParaRPr lang="en-US" altLang="zh-CN" sz="2800" dirty="0"/>
           </a:p>
@@ -4411,12 +4406,9 @@
             </a:r>
             <a:r>
               <a:rPr lang="en-US" altLang="zh-CN" sz="2800" dirty="0" smtClean="0"/>
-              <a:t>staged </a:t>
-            </a:r>
-            <a:r>
-              <a:rPr lang="en-US" altLang="zh-CN" sz="2800" dirty="0"/>
-              <a:t>changes</a:t>
-            </a:r>
+              <a:t>staged changes to a file</a:t>
+            </a:r>
+            <a:endParaRPr lang="en-US" altLang="zh-CN" sz="2800" dirty="0"/>
           </a:p>
           <a:p>
             <a:pPr marL="0" indent="0">
@@ -4436,54 +4428,56 @@
             </a:r>
             <a:r>
               <a:rPr lang="en-US" altLang="en-US" sz="2800" dirty="0" smtClean="0"/>
-              <a:t>reset HEAD </a:t>
-            </a:r>
-            <a:r>
-              <a:rPr lang="en-US" altLang="en-US" sz="2800" dirty="0"/>
-              <a:t>&lt;filename</a:t>
-            </a:r>
+              <a:t>reset &lt;filename&gt;</a:t>
+            </a:r>
+          </a:p>
+          <a:p>
+            <a:r>
+              <a:rPr lang="en-US" altLang="zh-CN" sz="2800" dirty="0"/>
+              <a:t># </a:t>
+            </a:r>
+            <a:r>
+              <a:rPr lang="en-US" altLang="zh-CN" sz="2800" dirty="0" smtClean="0"/>
+              <a:t>check out content from the depository and put it in the working tree</a:t>
+            </a:r>
+          </a:p>
+          <a:p>
+            <a:pPr marL="0" indent="0">
+              <a:buNone/>
+            </a:pPr>
             <a:r>
               <a:rPr lang="en-US" altLang="en-US" sz="2800" dirty="0" smtClean="0"/>
-              <a:t>&gt;</a:t>
-            </a:r>
-            <a:endParaRPr lang="en-US" altLang="en-US" sz="2800" dirty="0"/>
-          </a:p>
-          <a:p>
-            <a:r>
-              <a:rPr lang="en-US" altLang="en-US" sz="2800" dirty="0" smtClean="0"/>
-              <a:t># undo committed changes</a:t>
-            </a:r>
-          </a:p>
-          <a:p>
-            <a:pPr marL="0" indent="0">
-              <a:buNone/>
-            </a:pPr>
+              <a:t>  $ </a:t>
+            </a:r>
+            <a:r>
+              <a:rPr lang="en-US" altLang="en-US" sz="2800" dirty="0" err="1"/>
+              <a:t>git</a:t>
+            </a:r>
             <a:r>
               <a:rPr lang="en-US" altLang="en-US" sz="2800" dirty="0"/>
               <a:t> </a:t>
             </a:r>
             <a:r>
               <a:rPr lang="en-US" altLang="en-US" sz="2800" dirty="0" smtClean="0"/>
-              <a:t> $ </a:t>
-            </a:r>
-            <a:r>
-              <a:rPr lang="en-US" altLang="en-US" sz="2800" dirty="0" err="1"/>
-              <a:t>git</a:t>
+              <a:t>checkout </a:t>
             </a:r>
             <a:r>
               <a:rPr lang="en-US" altLang="en-US" sz="2800" dirty="0"/>
+              <a:t>&lt;commit hash&gt; </a:t>
+            </a:r>
+            <a:r>
+              <a:rPr lang="en-US" altLang="en-US" sz="2800" dirty="0" smtClean="0"/>
+              <a:t>&lt;filename&gt;</a:t>
+            </a:r>
+          </a:p>
+          <a:p>
+            <a:pPr marL="0" indent="0">
+              <a:buNone/>
+            </a:pPr>
+            <a:r>
+              <a:rPr lang="en-US" altLang="en-US" sz="2800" dirty="0" smtClean="0"/>
               <a:t> </a:t>
             </a:r>
-            <a:r>
-              <a:rPr lang="en-US" altLang="en-US" sz="2800" dirty="0" smtClean="0"/>
-              <a:t>revert &lt;commit&gt; --no-edit</a:t>
-            </a:r>
-            <a:endParaRPr lang="en-US" altLang="zh-CN" sz="2800" dirty="0" smtClean="0"/>
-          </a:p>
-          <a:p>
-            <a:pPr marL="0" indent="0">
-              <a:buNone/>
-            </a:pPr>
             <a:endParaRPr lang="en-US" altLang="zh-CN" dirty="0"/>
           </a:p>
           <a:p>
@@ -4584,7 +4578,7 @@
             </a:r>
             <a:r>
               <a:rPr lang="en-US" altLang="zh-CN" sz="4400" dirty="0" smtClean="0"/>
-              <a:t> Commands: Branching and Merging</a:t>
+              <a:t> Commands: Undoing Changes at the Commit-level</a:t>
             </a:r>
             <a:endParaRPr lang="en-US" altLang="en-US" sz="4400" dirty="0"/>
           </a:p>
@@ -4608,176 +4602,245 @@
         </p:spPr>
         <p:txBody>
           <a:bodyPr>
-            <a:normAutofit fontScale="85000" lnSpcReduction="20000"/>
+            <a:normAutofit fontScale="25000" lnSpcReduction="20000"/>
           </a:bodyPr>
           <a:lstStyle/>
           <a:p>
-            <a:r>
-              <a:rPr lang="en-US" altLang="zh-CN" dirty="0" smtClean="0"/>
-              <a:t># create a branch</a:t>
-            </a:r>
-          </a:p>
-          <a:p>
-            <a:pPr marL="0" indent="0">
-              <a:buNone/>
-            </a:pPr>
-            <a:r>
-              <a:rPr lang="en-US" altLang="en-US" dirty="0" smtClean="0"/>
+            <a:pPr marL="0" indent="0">
+              <a:buNone/>
+            </a:pPr>
+            <a:r>
+              <a:rPr lang="en-US" altLang="zh-CN" sz="6800" dirty="0"/>
+              <a:t># </a:t>
+            </a:r>
+            <a:r>
+              <a:rPr lang="en-US" altLang="zh-CN" sz="6800" dirty="0" smtClean="0"/>
+              <a:t>no update of the commit history</a:t>
+            </a:r>
+          </a:p>
+          <a:p>
+            <a:pPr marL="0" indent="0">
+              <a:buNone/>
+            </a:pPr>
+            <a:r>
+              <a:rPr lang="en-US" altLang="en-US" sz="6800" dirty="0"/>
+              <a:t> </a:t>
+            </a:r>
+            <a:r>
+              <a:rPr lang="en-US" altLang="en-US" sz="6800" dirty="0" smtClean="0"/>
+              <a:t> # switch to a specified commit</a:t>
+            </a:r>
+          </a:p>
+          <a:p>
+            <a:pPr marL="0" indent="0">
+              <a:buNone/>
+            </a:pPr>
+            <a:r>
+              <a:rPr lang="en-US" altLang="en-US" sz="6800" dirty="0" smtClean="0"/>
               <a:t>  $ </a:t>
             </a:r>
             <a:r>
-              <a:rPr lang="en-US" altLang="en-US" dirty="0" err="1" smtClean="0"/>
+              <a:rPr lang="en-US" altLang="en-US" sz="6800" dirty="0" err="1"/>
               <a:t>git</a:t>
             </a:r>
             <a:r>
-              <a:rPr lang="en-US" altLang="en-US" dirty="0" smtClean="0"/>
-              <a:t> branch &lt;branch name&gt;</a:t>
-            </a:r>
-            <a:endParaRPr lang="en-US" altLang="en-US" dirty="0" smtClean="0"/>
-          </a:p>
-          <a:p>
-            <a:r>
-              <a:rPr lang="en-US" altLang="zh-CN" dirty="0"/>
-              <a:t># </a:t>
-            </a:r>
-            <a:r>
-              <a:rPr lang="en-US" altLang="zh-CN" dirty="0" smtClean="0"/>
-              <a:t>list local branches</a:t>
-            </a:r>
-            <a:endParaRPr lang="en-US" altLang="zh-CN" dirty="0"/>
-          </a:p>
-          <a:p>
-            <a:pPr marL="0" indent="0">
-              <a:buNone/>
-            </a:pPr>
-            <a:r>
-              <a:rPr lang="en-US" altLang="en-US" dirty="0"/>
+              <a:rPr lang="en-US" altLang="en-US" sz="6800" dirty="0"/>
+              <a:t> checkout &lt;</a:t>
+            </a:r>
+            <a:r>
+              <a:rPr lang="en-US" altLang="en-US" sz="6800" dirty="0" smtClean="0"/>
+              <a:t>commit hash&gt;</a:t>
+            </a:r>
+          </a:p>
+          <a:p>
+            <a:pPr marL="0" indent="0">
+              <a:buNone/>
+            </a:pPr>
+            <a:r>
+              <a:rPr lang="en-US" altLang="en-US" sz="6800" dirty="0"/>
+              <a:t> </a:t>
+            </a:r>
+            <a:r>
+              <a:rPr lang="en-US" altLang="en-US" sz="6800" dirty="0" smtClean="0"/>
+              <a:t> # switch backward by two commits</a:t>
+            </a:r>
+          </a:p>
+          <a:p>
+            <a:pPr marL="0" indent="0">
+              <a:buNone/>
+            </a:pPr>
+            <a:r>
+              <a:rPr lang="en-US" altLang="en-US" sz="6800" dirty="0" smtClean="0"/>
               <a:t>  $ </a:t>
             </a:r>
             <a:r>
-              <a:rPr lang="en-US" altLang="en-US" dirty="0" err="1"/>
+              <a:rPr lang="en-US" altLang="en-US" sz="6800" dirty="0" err="1"/>
               <a:t>git</a:t>
             </a:r>
             <a:r>
-              <a:rPr lang="en-US" altLang="en-US" dirty="0"/>
+              <a:rPr lang="en-US" altLang="en-US" sz="6800" dirty="0"/>
+              <a:t> checkout </a:t>
+            </a:r>
+            <a:r>
+              <a:rPr lang="en-US" altLang="en-US" sz="6800" dirty="0" smtClean="0"/>
+              <a:t>HEAD~2</a:t>
+            </a:r>
+          </a:p>
+          <a:p>
+            <a:pPr marL="0" indent="0">
+              <a:buNone/>
+            </a:pPr>
+            <a:r>
+              <a:rPr lang="en-US" altLang="zh-CN" sz="6800" dirty="0" smtClean="0"/>
+              <a:t># discard commits </a:t>
+            </a:r>
+          </a:p>
+          <a:p>
+            <a:pPr marL="0" indent="0">
+              <a:buNone/>
+            </a:pPr>
+            <a:r>
+              <a:rPr lang="en-US" altLang="zh-CN" sz="6800" dirty="0"/>
               <a:t> </a:t>
             </a:r>
             <a:r>
-              <a:rPr lang="en-US" altLang="en-US" dirty="0" smtClean="0"/>
-              <a:t>branch</a:t>
-            </a:r>
-          </a:p>
-          <a:p>
-            <a:r>
-              <a:rPr lang="en-US" altLang="zh-CN" dirty="0"/>
-              <a:t># </a:t>
-            </a:r>
-            <a:r>
-              <a:rPr lang="en-US" altLang="zh-CN" dirty="0" smtClean="0"/>
-              <a:t>list all branches</a:t>
-            </a:r>
-            <a:endParaRPr lang="en-US" altLang="zh-CN" dirty="0"/>
-          </a:p>
-          <a:p>
-            <a:pPr marL="0" indent="0">
-              <a:buNone/>
-            </a:pPr>
-            <a:r>
-              <a:rPr lang="en-US" altLang="en-US" dirty="0"/>
+              <a:rPr lang="en-US" altLang="zh-CN" sz="6800" dirty="0" smtClean="0"/>
+              <a:t> # discard the most recent commit</a:t>
+            </a:r>
+            <a:endParaRPr lang="en-US" altLang="zh-CN" sz="6800" dirty="0"/>
+          </a:p>
+          <a:p>
+            <a:pPr marL="0" indent="0">
+              <a:buNone/>
+            </a:pPr>
+            <a:r>
+              <a:rPr lang="en-US" altLang="en-US" sz="6800" dirty="0"/>
+              <a:t> </a:t>
+            </a:r>
+            <a:r>
+              <a:rPr lang="en-US" altLang="en-US" sz="6800" dirty="0" smtClean="0"/>
+              <a:t> $ </a:t>
+            </a:r>
+            <a:r>
+              <a:rPr lang="en-US" altLang="en-US" sz="6800" dirty="0" err="1"/>
+              <a:t>git</a:t>
+            </a:r>
+            <a:r>
+              <a:rPr lang="en-US" altLang="en-US" sz="6800" dirty="0"/>
+              <a:t> reset HEAD~ --soft (--hard, or --mixed</a:t>
+            </a:r>
+            <a:r>
+              <a:rPr lang="en-US" altLang="en-US" sz="6800" dirty="0" smtClean="0"/>
+              <a:t>)</a:t>
+            </a:r>
+          </a:p>
+          <a:p>
+            <a:pPr marL="0" indent="0">
+              <a:buNone/>
+            </a:pPr>
+            <a:r>
+              <a:rPr lang="en-US" altLang="en-US" sz="6800" dirty="0" smtClean="0"/>
+              <a:t># discard the commits since the specified commit</a:t>
+            </a:r>
+          </a:p>
+          <a:p>
+            <a:pPr marL="0" indent="0">
+              <a:buNone/>
+            </a:pPr>
+            <a:r>
+              <a:rPr lang="en-US" altLang="en-US" sz="6800" dirty="0"/>
+              <a:t> </a:t>
+            </a:r>
+            <a:r>
+              <a:rPr lang="en-US" altLang="en-US" sz="6800" dirty="0" smtClean="0"/>
+              <a:t> $ </a:t>
+            </a:r>
+            <a:r>
+              <a:rPr lang="en-US" altLang="en-US" sz="6800" dirty="0" err="1" smtClean="0"/>
+              <a:t>git</a:t>
+            </a:r>
+            <a:r>
+              <a:rPr lang="en-US" altLang="en-US" sz="6800" dirty="0" smtClean="0"/>
+              <a:t> </a:t>
+            </a:r>
+            <a:r>
+              <a:rPr lang="en-US" altLang="en-US" sz="6800" dirty="0"/>
+              <a:t>reset &lt;</a:t>
+            </a:r>
+            <a:r>
+              <a:rPr lang="en-US" altLang="en-US" sz="6800" dirty="0" smtClean="0"/>
+              <a:t>commit hash&gt; </a:t>
+            </a:r>
+          </a:p>
+          <a:p>
+            <a:pPr marL="0" indent="0">
+              <a:buNone/>
+            </a:pPr>
+            <a:r>
+              <a:rPr lang="en-US" altLang="en-US" sz="6800" dirty="0" smtClean="0"/>
+              <a:t># Undo a commit by creating a new commit</a:t>
+            </a:r>
+          </a:p>
+          <a:p>
+            <a:pPr marL="0" indent="0">
+              <a:buNone/>
+            </a:pPr>
+            <a:r>
+              <a:rPr lang="en-US" altLang="en-US" sz="6800" dirty="0"/>
+              <a:t> </a:t>
+            </a:r>
+            <a:r>
+              <a:rPr lang="en-US" altLang="en-US" sz="6800" dirty="0" smtClean="0"/>
+              <a:t> $ </a:t>
+            </a:r>
+            <a:r>
+              <a:rPr lang="en-US" altLang="en-US" sz="6800" dirty="0" err="1" smtClean="0"/>
+              <a:t>git</a:t>
+            </a:r>
+            <a:r>
+              <a:rPr lang="en-US" altLang="en-US" sz="6800" dirty="0" smtClean="0"/>
+              <a:t> revert HEAD~ --no-edit</a:t>
+            </a:r>
+          </a:p>
+          <a:p>
+            <a:pPr marL="0" indent="0">
+              <a:buNone/>
+            </a:pPr>
+            <a:r>
+              <a:rPr lang="en-US" altLang="en-US" sz="6800" dirty="0" smtClean="0"/>
               <a:t>  $ </a:t>
             </a:r>
             <a:r>
-              <a:rPr lang="en-US" altLang="en-US" dirty="0" err="1"/>
+              <a:rPr lang="en-US" altLang="en-US" sz="6800" dirty="0" err="1"/>
               <a:t>git</a:t>
             </a:r>
             <a:r>
-              <a:rPr lang="en-US" altLang="en-US" dirty="0"/>
-              <a:t> </a:t>
-            </a:r>
-            <a:r>
-              <a:rPr lang="en-US" altLang="en-US" dirty="0" smtClean="0"/>
-              <a:t>branch --all</a:t>
-            </a:r>
-            <a:endParaRPr lang="en-US" altLang="en-US" dirty="0"/>
-          </a:p>
-          <a:p>
-            <a:r>
-              <a:rPr lang="en-US" altLang="en-US" dirty="0" smtClean="0"/>
-              <a:t># merge from branch</a:t>
-            </a:r>
-          </a:p>
-          <a:p>
-            <a:pPr marL="0" indent="0">
-              <a:buNone/>
-            </a:pPr>
-            <a:r>
-              <a:rPr lang="en-US" altLang="en-US" dirty="0"/>
-              <a:t> </a:t>
-            </a:r>
-            <a:r>
-              <a:rPr lang="en-US" altLang="en-US" dirty="0" smtClean="0"/>
-              <a:t> $ </a:t>
-            </a:r>
-            <a:r>
-              <a:rPr lang="en-US" altLang="en-US" dirty="0" err="1"/>
-              <a:t>git</a:t>
-            </a:r>
-            <a:r>
-              <a:rPr lang="en-US" altLang="en-US" dirty="0"/>
-              <a:t> </a:t>
-            </a:r>
-            <a:r>
-              <a:rPr lang="en-US" altLang="en-US" dirty="0" smtClean="0"/>
-              <a:t>merge &lt;branch name&gt;</a:t>
-            </a:r>
-            <a:endParaRPr lang="en-US" altLang="zh-CN" dirty="0" smtClean="0"/>
-          </a:p>
-          <a:p>
-            <a:r>
-              <a:rPr lang="en-US" altLang="zh-CN" dirty="0"/>
-              <a:t># </a:t>
-            </a:r>
-            <a:r>
-              <a:rPr lang="en-US" altLang="zh-CN" dirty="0" smtClean="0"/>
-              <a:t>delete a branch</a:t>
-            </a:r>
-            <a:endParaRPr lang="en-US" altLang="zh-CN" dirty="0"/>
-          </a:p>
-          <a:p>
-            <a:pPr marL="0" indent="0">
-              <a:buNone/>
-            </a:pPr>
-            <a:r>
-              <a:rPr lang="en-US" altLang="en-US" dirty="0"/>
-              <a:t>  $ </a:t>
-            </a:r>
-            <a:r>
-              <a:rPr lang="en-US" altLang="en-US" dirty="0" err="1" smtClean="0"/>
-              <a:t>git</a:t>
-            </a:r>
-            <a:r>
-              <a:rPr lang="en-US" altLang="en-US" dirty="0" smtClean="0"/>
-              <a:t> branch </a:t>
-            </a:r>
-            <a:r>
-              <a:rPr lang="en-US" altLang="zh-CN" dirty="0" smtClean="0"/>
-              <a:t>-d &lt;branch name&gt;</a:t>
-            </a:r>
-            <a:endParaRPr lang="en-US" altLang="en-US" dirty="0" smtClean="0"/>
-          </a:p>
-          <a:p>
-            <a:pPr marL="0" indent="0">
-              <a:buNone/>
-            </a:pPr>
-            <a:endParaRPr lang="en-US" altLang="zh-CN" dirty="0"/>
-          </a:p>
-          <a:p>
-            <a:pPr marL="0" indent="0">
-              <a:buNone/>
-            </a:pPr>
-            <a:endParaRPr lang="en-US" altLang="zh-CN" dirty="0"/>
-          </a:p>
-          <a:p>
+              <a:rPr lang="en-US" altLang="en-US" sz="6800" dirty="0"/>
+              <a:t> revert </a:t>
+            </a:r>
+            <a:r>
+              <a:rPr lang="en-US" altLang="en-US" sz="6800" dirty="0" smtClean="0"/>
+              <a:t>&lt;commit hash&gt; </a:t>
+            </a:r>
+            <a:r>
+              <a:rPr lang="en-US" altLang="en-US" sz="6800" dirty="0"/>
+              <a:t>--no-edit</a:t>
+            </a:r>
+          </a:p>
+          <a:p>
+            <a:pPr marL="0" indent="0">
+              <a:buNone/>
+            </a:pPr>
+            <a:endParaRPr lang="en-US" altLang="en-US" sz="2800" dirty="0"/>
+          </a:p>
+          <a:p>
+            <a:pPr marL="0" indent="0">
+              <a:buNone/>
+            </a:pPr>
+            <a:r>
+              <a:rPr lang="en-US" altLang="en-US" sz="2800" dirty="0"/>
+              <a:t>  </a:t>
+            </a:r>
             <a:endParaRPr lang="en-US" altLang="en-US" dirty="0" smtClean="0"/>
           </a:p>
           <a:p>
@@ -4812,7 +4875,7 @@
     </p:spTree>
     <p:extLst>
       <p:ext uri="{BB962C8B-B14F-4D97-AF65-F5344CB8AC3E}">
-        <p14:creationId xmlns:p14="http://schemas.microsoft.com/office/powerpoint/2010/main" val="1360897922"/>
+        <p14:creationId xmlns:p14="http://schemas.microsoft.com/office/powerpoint/2010/main" val="3564894586"/>
       </p:ext>
     </p:extLst>
   </p:cSld>
@@ -4869,7 +4932,7 @@
             </a:r>
             <a:r>
               <a:rPr lang="en-US" altLang="zh-CN" sz="4400" dirty="0" smtClean="0"/>
-              <a:t> Commands: Reverting to a Previous Commit</a:t>
+              <a:t> Commands: Branching and Merging</a:t>
             </a:r>
             <a:endParaRPr lang="en-US" altLang="en-US" sz="4400" dirty="0"/>
           </a:p>
@@ -4893,13 +4956,13 @@
         </p:spPr>
         <p:txBody>
           <a:bodyPr>
-            <a:normAutofit/>
+            <a:normAutofit fontScale="70000" lnSpcReduction="20000"/>
           </a:bodyPr>
           <a:lstStyle/>
           <a:p>
             <a:r>
               <a:rPr lang="en-US" altLang="zh-CN" dirty="0" smtClean="0"/>
-              <a:t># temporarily go to the specified commit</a:t>
+              <a:t># create a branch</a:t>
             </a:r>
           </a:p>
           <a:p>
@@ -4916,9 +4979,8 @@
             </a:r>
             <a:r>
               <a:rPr lang="en-US" altLang="en-US" dirty="0" smtClean="0"/>
-              <a:t> checkout &lt;commit&gt;</a:t>
-            </a:r>
-            <a:endParaRPr lang="en-US" altLang="en-US" dirty="0" smtClean="0"/>
+              <a:t> branch &lt;branch name&gt;</a:t>
+            </a:r>
           </a:p>
           <a:p>
             <a:r>
@@ -4927,20 +4989,17 @@
             </a:r>
             <a:r>
               <a:rPr lang="en-US" altLang="zh-CN" dirty="0" smtClean="0"/>
-              <a:t>list all commits in history</a:t>
-            </a:r>
-          </a:p>
-          <a:p>
-            <a:pPr marL="0" indent="0">
-              <a:buNone/>
-            </a:pPr>
-            <a:r>
-              <a:rPr lang="en-US" altLang="en-US" dirty="0" smtClean="0"/>
-              <a:t>  </a:t>
-            </a:r>
+              <a:t>list local branches</a:t>
+            </a:r>
+            <a:endParaRPr lang="en-US" altLang="zh-CN" dirty="0"/>
+          </a:p>
+          <a:p>
+            <a:pPr marL="0" indent="0">
+              <a:buNone/>
+            </a:pPr>
             <a:r>
               <a:rPr lang="en-US" altLang="en-US" dirty="0"/>
-              <a:t>$ </a:t>
+              <a:t>  $ </a:t>
             </a:r>
             <a:r>
               <a:rPr lang="en-US" altLang="en-US" dirty="0" err="1"/>
@@ -4952,27 +5011,7 @@
             </a:r>
             <a:r>
               <a:rPr lang="en-US" altLang="en-US" dirty="0" smtClean="0"/>
-              <a:t>log </a:t>
-            </a:r>
-            <a:r>
-              <a:rPr lang="en-US" altLang="zh-CN" dirty="0" smtClean="0"/>
-              <a:t>--</a:t>
-            </a:r>
-            <a:r>
-              <a:rPr lang="en-US" altLang="en-US" dirty="0" err="1" smtClean="0"/>
-              <a:t>oneline</a:t>
-            </a:r>
-            <a:r>
-              <a:rPr lang="en-US" altLang="en-US" dirty="0" smtClean="0"/>
-              <a:t> </a:t>
-            </a:r>
-            <a:r>
-              <a:rPr lang="en-US" altLang="zh-CN" dirty="0" smtClean="0"/>
-              <a:t>--all</a:t>
-            </a:r>
-            <a:r>
-              <a:rPr lang="en-US" altLang="en-US" dirty="0" smtClean="0"/>
-              <a:t> </a:t>
+              <a:t>branch</a:t>
             </a:r>
           </a:p>
           <a:p>
@@ -4982,7 +5021,7 @@
             </a:r>
             <a:r>
               <a:rPr lang="en-US" altLang="zh-CN" dirty="0" smtClean="0"/>
-              <a:t>move both the HEAD and branch refs to a commit </a:t>
+              <a:t>list all branches</a:t>
             </a:r>
             <a:endParaRPr lang="en-US" altLang="zh-CN" dirty="0"/>
           </a:p>
@@ -5004,19 +5043,91 @@
             </a:r>
             <a:r>
               <a:rPr lang="en-US" altLang="en-US" dirty="0" smtClean="0"/>
-              <a:t>reset </a:t>
-            </a:r>
+              <a:t>branch --all</a:t>
+            </a:r>
+          </a:p>
+          <a:p>
+            <a:r>
+              <a:rPr lang="en-US" altLang="zh-CN" dirty="0"/>
+              <a:t># </a:t>
+            </a:r>
+            <a:r>
+              <a:rPr lang="en-US" altLang="zh-CN" dirty="0" smtClean="0"/>
+              <a:t>switch to a branch</a:t>
+            </a:r>
+            <a:endParaRPr lang="en-US" altLang="zh-CN" dirty="0"/>
+          </a:p>
+          <a:p>
+            <a:pPr marL="0" indent="0">
+              <a:buNone/>
+            </a:pPr>
             <a:r>
               <a:rPr lang="en-US" altLang="en-US" dirty="0"/>
-              <a:t>&lt;commit&gt; </a:t>
-            </a:r>
-          </a:p>
-          <a:p>
-            <a:pPr marL="0" indent="0">
-              <a:buNone/>
-            </a:pPr>
+              <a:t>  $ </a:t>
+            </a:r>
+            <a:r>
+              <a:rPr lang="en-US" altLang="en-US" dirty="0" err="1"/>
+              <a:t>git</a:t>
+            </a:r>
+            <a:r>
+              <a:rPr lang="en-US" altLang="en-US" dirty="0"/>
+              <a:t> </a:t>
+            </a:r>
             <a:r>
               <a:rPr lang="en-US" altLang="en-US" dirty="0" smtClean="0"/>
+              <a:t>checkout &lt;branch name&gt;</a:t>
+            </a:r>
+            <a:endParaRPr lang="en-US" altLang="en-US" dirty="0"/>
+          </a:p>
+          <a:p>
+            <a:r>
+              <a:rPr lang="en-US" altLang="en-US" dirty="0" smtClean="0"/>
+              <a:t># merge from branch</a:t>
+            </a:r>
+          </a:p>
+          <a:p>
+            <a:pPr marL="0" indent="0">
+              <a:buNone/>
+            </a:pPr>
+            <a:r>
+              <a:rPr lang="en-US" altLang="en-US" dirty="0"/>
+              <a:t> </a:t>
+            </a:r>
+            <a:r>
+              <a:rPr lang="en-US" altLang="en-US" dirty="0" smtClean="0"/>
+              <a:t> $ </a:t>
+            </a:r>
+            <a:r>
+              <a:rPr lang="en-US" altLang="en-US" dirty="0" err="1"/>
+              <a:t>git</a:t>
+            </a:r>
+            <a:r>
+              <a:rPr lang="en-US" altLang="en-US" dirty="0"/>
+              <a:t> </a:t>
+            </a:r>
+            <a:r>
+              <a:rPr lang="en-US" altLang="en-US" dirty="0" smtClean="0"/>
+              <a:t>merge &lt;branch name&gt;</a:t>
+            </a:r>
+            <a:endParaRPr lang="en-US" altLang="zh-CN" dirty="0" smtClean="0"/>
+          </a:p>
+          <a:p>
+            <a:r>
+              <a:rPr lang="en-US" altLang="zh-CN" dirty="0"/>
+              <a:t># </a:t>
+            </a:r>
+            <a:r>
+              <a:rPr lang="en-US" altLang="zh-CN" dirty="0" smtClean="0"/>
+              <a:t>delete a branch</a:t>
+            </a:r>
+            <a:endParaRPr lang="en-US" altLang="zh-CN" dirty="0"/>
+          </a:p>
+          <a:p>
+            <a:pPr marL="0" indent="0">
+              <a:buNone/>
+            </a:pPr>
+            <a:r>
+              <a:rPr lang="en-US" altLang="en-US" dirty="0"/>
               <a:t>  $ </a:t>
             </a:r>
             <a:r>
@@ -5025,9 +5136,13 @@
             </a:r>
             <a:r>
               <a:rPr lang="en-US" altLang="en-US" dirty="0" smtClean="0"/>
-              <a:t> reset --hard &lt;commit&gt; </a:t>
-            </a:r>
-            <a:endParaRPr lang="en-US" altLang="en-US" dirty="0"/>
+              <a:t> branch </a:t>
+            </a:r>
+            <a:r>
+              <a:rPr lang="en-US" altLang="zh-CN" dirty="0" smtClean="0"/>
+              <a:t>-d &lt;branch name&gt;</a:t>
+            </a:r>
+            <a:endParaRPr lang="en-US" altLang="en-US" dirty="0" smtClean="0"/>
           </a:p>
           <a:p>
             <a:pPr marL="0" indent="0">
@@ -5076,7 +5191,7 @@
     </p:spTree>
     <p:extLst>
       <p:ext uri="{BB962C8B-B14F-4D97-AF65-F5344CB8AC3E}">
-        <p14:creationId xmlns:p14="http://schemas.microsoft.com/office/powerpoint/2010/main" val="4014562653"/>
+        <p14:creationId xmlns:p14="http://schemas.microsoft.com/office/powerpoint/2010/main" val="1360897922"/>
       </p:ext>
     </p:extLst>
   </p:cSld>
@@ -5194,7 +5309,7 @@
             </a:r>
             <a:r>
               <a:rPr lang="en-US" altLang="zh-CN" sz="8000" dirty="0" smtClean="0"/>
-              <a:t>add a remote repository</a:t>
+              <a:t>add a remote repo</a:t>
             </a:r>
           </a:p>
           <a:p>
@@ -5245,7 +5360,7 @@
             </a:r>
             <a:r>
               <a:rPr lang="en-US" altLang="zh-CN" sz="8000" dirty="0" smtClean="0"/>
-              <a:t>remote</a:t>
+              <a:t>remote repo</a:t>
             </a:r>
             <a:endParaRPr lang="en-US" altLang="zh-CN" sz="8000" dirty="0"/>
           </a:p>
@@ -5277,7 +5392,7 @@
           <a:p>
             <a:r>
               <a:rPr lang="en-US" altLang="zh-CN" sz="8000" dirty="0" smtClean="0"/>
-              <a:t># update the local copy of a remote repository</a:t>
+              <a:t># update the local copy of a remote repo</a:t>
             </a:r>
             <a:endParaRPr lang="en-US" altLang="zh-CN" sz="8000" dirty="0"/>
           </a:p>
@@ -6723,11 +6838,7 @@
           <a:p>
             <a:r>
               <a:rPr lang="en-US" altLang="en-US" sz="5600" dirty="0" smtClean="0"/>
-              <a:t>Do a commit to store the snapshot permanently to </a:t>
-            </a:r>
-            <a:r>
-              <a:rPr lang="en-US" altLang="en-US" sz="5600" dirty="0" smtClean="0"/>
-              <a:t>your repository.</a:t>
+              <a:t>Do a commit to store the snapshot permanently to your repository.</a:t>
             </a:r>
             <a:endParaRPr lang="en-US" altLang="en-US" sz="5600" dirty="0"/>
           </a:p>
@@ -6878,15 +6989,7 @@
           <a:p>
             <a:r>
               <a:rPr lang="en-US" altLang="en-US" sz="2800" dirty="0" smtClean="0"/>
-              <a:t>GitHub is a </a:t>
-            </a:r>
-            <a:r>
-              <a:rPr lang="en-US" altLang="en-US" sz="2800" dirty="0" smtClean="0"/>
-              <a:t>web-based hosting </a:t>
-            </a:r>
-            <a:r>
-              <a:rPr lang="en-US" altLang="en-US" sz="2800" dirty="0" smtClean="0"/>
-              <a:t>service for </a:t>
+              <a:t>GitHub is a web-based hosting service for </a:t>
             </a:r>
             <a:r>
               <a:rPr lang="en-US" altLang="en-US" sz="2800" dirty="0" err="1" smtClean="0"/>
@@ -6907,11 +7010,7 @@
             </a:r>
             <a:r>
               <a:rPr lang="en-US" altLang="zh-CN" sz="2800" dirty="0" smtClean="0"/>
-              <a:t>Hub has become a leading software development </a:t>
-            </a:r>
-            <a:r>
-              <a:rPr lang="en-US" altLang="zh-CN" sz="2800" dirty="0" smtClean="0"/>
-              <a:t>platform and a social networking site for developers. </a:t>
+              <a:t>Hub has become a leading software development platform and a social networking site for developers. </a:t>
             </a:r>
             <a:endParaRPr lang="en-US" altLang="en-US" sz="2800" dirty="0" smtClean="0"/>
           </a:p>
@@ -7044,7 +7143,6 @@
               <a:rPr lang="en-US" altLang="en-US" sz="2800" dirty="0" smtClean="0"/>
               <a:t> (repo) is a folder that helps you track file changes.</a:t>
             </a:r>
-            <a:endParaRPr lang="en-US" altLang="en-US" sz="2800" dirty="0" smtClean="0"/>
           </a:p>
           <a:p>
             <a:r>
@@ -7116,7 +7214,6 @@
               <a:rPr lang="en-US" altLang="en-US" sz="2800" dirty="0" smtClean="0"/>
               <a:t> is a set of one or more changes to files.</a:t>
             </a:r>
-            <a:endParaRPr lang="en-US" altLang="en-US" sz="2800" dirty="0" smtClean="0"/>
           </a:p>
           <a:p>
             <a:pPr marL="0" indent="0">
@@ -7244,7 +7341,6 @@
               <a:rPr lang="en-US" altLang="en-US" sz="2800" dirty="0" smtClean="0"/>
               <a:t>  $ cd ~</a:t>
             </a:r>
-            <a:endParaRPr lang="en-US" altLang="en-US" sz="2800" dirty="0" smtClean="0"/>
           </a:p>
           <a:p>
             <a:r>
@@ -7272,7 +7368,6 @@
               <a:rPr lang="en-US" altLang="en-US" sz="2800" dirty="0" smtClean="0"/>
               <a:t> &lt;folder name&gt;</a:t>
             </a:r>
-            <a:endParaRPr lang="en-US" altLang="en-US" sz="2800" dirty="0" smtClean="0"/>
           </a:p>
           <a:p>
             <a:r>
